--- a/01_Unit/PowerPoints/03_VariablesIntroduction.pptx
+++ b/01_Unit/PowerPoints/03_VariablesIntroduction.pptx
@@ -5,7 +5,7 @@
     <p:sldMasterId id="2147483660" r:id="rId4"/>
   </p:sldMasterIdLst>
   <p:notesMasterIdLst>
-    <p:notesMasterId r:id="rId57"/>
+    <p:notesMasterId r:id="rId56"/>
   </p:notesMasterIdLst>
   <p:sldIdLst>
     <p:sldId id="257" r:id="rId5"/>
@@ -38,28 +38,27 @@
     <p:sldId id="264" r:id="rId32"/>
     <p:sldId id="279" r:id="rId33"/>
     <p:sldId id="277" r:id="rId34"/>
-    <p:sldId id="294" r:id="rId35"/>
-    <p:sldId id="287" r:id="rId36"/>
-    <p:sldId id="281" r:id="rId37"/>
-    <p:sldId id="288" r:id="rId38"/>
-    <p:sldId id="282" r:id="rId39"/>
-    <p:sldId id="273" r:id="rId40"/>
-    <p:sldId id="283" r:id="rId41"/>
-    <p:sldId id="324" r:id="rId42"/>
-    <p:sldId id="297" r:id="rId43"/>
-    <p:sldId id="295" r:id="rId44"/>
-    <p:sldId id="285" r:id="rId45"/>
-    <p:sldId id="289" r:id="rId46"/>
-    <p:sldId id="325" r:id="rId47"/>
-    <p:sldId id="326" r:id="rId48"/>
-    <p:sldId id="327" r:id="rId49"/>
-    <p:sldId id="328" r:id="rId50"/>
-    <p:sldId id="329" r:id="rId51"/>
-    <p:sldId id="330" r:id="rId52"/>
-    <p:sldId id="331" r:id="rId53"/>
-    <p:sldId id="332" r:id="rId54"/>
-    <p:sldId id="333" r:id="rId55"/>
-    <p:sldId id="303" r:id="rId56"/>
+    <p:sldId id="287" r:id="rId35"/>
+    <p:sldId id="281" r:id="rId36"/>
+    <p:sldId id="288" r:id="rId37"/>
+    <p:sldId id="282" r:id="rId38"/>
+    <p:sldId id="273" r:id="rId39"/>
+    <p:sldId id="283" r:id="rId40"/>
+    <p:sldId id="324" r:id="rId41"/>
+    <p:sldId id="297" r:id="rId42"/>
+    <p:sldId id="295" r:id="rId43"/>
+    <p:sldId id="285" r:id="rId44"/>
+    <p:sldId id="289" r:id="rId45"/>
+    <p:sldId id="325" r:id="rId46"/>
+    <p:sldId id="326" r:id="rId47"/>
+    <p:sldId id="327" r:id="rId48"/>
+    <p:sldId id="328" r:id="rId49"/>
+    <p:sldId id="329" r:id="rId50"/>
+    <p:sldId id="330" r:id="rId51"/>
+    <p:sldId id="331" r:id="rId52"/>
+    <p:sldId id="332" r:id="rId53"/>
+    <p:sldId id="333" r:id="rId54"/>
+    <p:sldId id="303" r:id="rId55"/>
   </p:sldIdLst>
   <p:sldSz cx="12192000" cy="6858000"/>
   <p:notesSz cx="6858000" cy="9144000"/>
@@ -2334,7 +2333,7 @@
           <a:p>
             <a:fld id="{5C6D1233-BBA9-46B7-ACE7-84A065F47113}" type="datetimeFigureOut">
               <a:rPr lang="en-US" smtClean="0"/>
-              <a:t>7/28/2020</a:t>
+              <a:t>8/3/2020</a:t>
             </a:fld>
             <a:endParaRPr lang="en-US"/>
           </a:p>
@@ -3572,42 +3571,7 @@
           <a:bodyPr/>
           <a:lstStyle/>
           <a:p>
-            <a:r>
-              <a:rPr lang="en-US" dirty="0"/>
-              <a:t>Alright, onto our objectives for today. </a:t>
-            </a:r>
-          </a:p>
-          <a:p>
-            <a:r>
-              <a:rPr lang="en-US" dirty="0"/>
-              <a:t>First we will learn two print commands: print and </a:t>
-            </a:r>
-            <a:r>
-              <a:rPr lang="en-US" dirty="0" err="1"/>
-              <a:t>println</a:t>
-            </a:r>
-            <a:r>
-              <a:rPr lang="en-US" dirty="0"/>
-              <a:t>. </a:t>
-            </a:r>
-          </a:p>
-          <a:p>
-            <a:r>
-              <a:rPr lang="en-US" dirty="0"/>
-              <a:t>Next we will learn what an escape sequence is and how to use them with print commands.</a:t>
-            </a:r>
-          </a:p>
-          <a:p>
-            <a:r>
-              <a:rPr lang="en-US" dirty="0"/>
-              <a:t>Then we will go over two types of errors, syntax vs runtime errors. We will also learn the bane of every programmer’s existence – debugging.</a:t>
-            </a:r>
-          </a:p>
-          <a:p>
-            <a:r>
-              <a:rPr lang="en-US" dirty="0"/>
-              <a:t>Finally, we will continue to improve our best programming practices by learning what comments are and how to add comments to our code.</a:t>
-            </a:r>
+            <a:endParaRPr lang="en-US" dirty="0"/>
           </a:p>
         </p:txBody>
       </p:sp>
@@ -3946,7 +3910,10 @@
           <a:bodyPr/>
           <a:lstStyle/>
           <a:p>
-            <a:endParaRPr lang="en-US" dirty="0"/>
+            <a:r>
+              <a:rPr lang="en-US" dirty="0"/>
+              <a:t>A double only stores decimal values.</a:t>
+            </a:r>
           </a:p>
         </p:txBody>
       </p:sp>
@@ -3967,7 +3934,7 @@
           <a:p>
             <a:fld id="{A22EFDB4-0BC3-4CB3-A7B2-14BE3B37D75F}" type="slidenum">
               <a:rPr lang="en-US" smtClean="0"/>
-              <a:t>31</a:t>
+              <a:t>32</a:t>
             </a:fld>
             <a:endParaRPr lang="en-US"/>
           </a:p>
@@ -4204,10 +4171,7 @@
           <a:bodyPr/>
           <a:lstStyle/>
           <a:p>
-            <a:r>
-              <a:rPr lang="en-US" dirty="0"/>
-              <a:t>A double only stores decimal values.</a:t>
-            </a:r>
+            <a:endParaRPr lang="en-US" dirty="0"/>
           </a:p>
         </p:txBody>
       </p:sp>
@@ -5581,7 +5545,7 @@
     </p:spTree>
     <p:extLst>
       <p:ext uri="{BB962C8B-B14F-4D97-AF65-F5344CB8AC3E}">
-        <p14:creationId xmlns:p14="http://schemas.microsoft.com/office/powerpoint/2010/main" val="480839886"/>
+        <p14:creationId xmlns:p14="http://schemas.microsoft.com/office/powerpoint/2010/main" val="1229320116"/>
       </p:ext>
     </p:extLst>
   </p:cSld>
@@ -5657,90 +5621,6 @@
             <a:fld id="{A22EFDB4-0BC3-4CB3-A7B2-14BE3B37D75F}" type="slidenum">
               <a:rPr lang="en-US" smtClean="0"/>
               <a:t>50</a:t>
-            </a:fld>
-            <a:endParaRPr lang="en-US"/>
-          </a:p>
-        </p:txBody>
-      </p:sp>
-    </p:spTree>
-    <p:extLst>
-      <p:ext uri="{BB962C8B-B14F-4D97-AF65-F5344CB8AC3E}">
-        <p14:creationId xmlns:p14="http://schemas.microsoft.com/office/powerpoint/2010/main" val="1229320116"/>
-      </p:ext>
-    </p:extLst>
-  </p:cSld>
-  <p:clrMapOvr>
-    <a:masterClrMapping/>
-  </p:clrMapOvr>
-</p:notes>
-</file>
-
-<file path=ppt/notesSlides/notesSlide42.xml><?xml version="1.0" encoding="utf-8"?>
-<p:notes xmlns:a="http://schemas.openxmlformats.org/drawingml/2006/main" xmlns:r="http://schemas.openxmlformats.org/officeDocument/2006/relationships" xmlns:p="http://schemas.openxmlformats.org/presentationml/2006/main">
-  <p:cSld>
-    <p:spTree>
-      <p:nvGrpSpPr>
-        <p:cNvPr id="1" name=""/>
-        <p:cNvGrpSpPr/>
-        <p:nvPr/>
-      </p:nvGrpSpPr>
-      <p:grpSpPr>
-        <a:xfrm>
-          <a:off x="0" y="0"/>
-          <a:ext cx="0" cy="0"/>
-          <a:chOff x="0" y="0"/>
-          <a:chExt cx="0" cy="0"/>
-        </a:xfrm>
-      </p:grpSpPr>
-      <p:sp>
-        <p:nvSpPr>
-          <p:cNvPr id="2" name="Slide Image Placeholder 1"/>
-          <p:cNvSpPr>
-            <a:spLocks noGrp="1" noRot="1" noChangeAspect="1"/>
-          </p:cNvSpPr>
-          <p:nvPr>
-            <p:ph type="sldImg"/>
-          </p:nvPr>
-        </p:nvSpPr>
-        <p:spPr/>
-      </p:sp>
-      <p:sp>
-        <p:nvSpPr>
-          <p:cNvPr id="3" name="Notes Placeholder 2"/>
-          <p:cNvSpPr>
-            <a:spLocks noGrp="1"/>
-          </p:cNvSpPr>
-          <p:nvPr>
-            <p:ph type="body" idx="1"/>
-          </p:nvPr>
-        </p:nvSpPr>
-        <p:spPr/>
-        <p:txBody>
-          <a:bodyPr/>
-          <a:lstStyle/>
-          <a:p>
-            <a:endParaRPr lang="en-US" dirty="0"/>
-          </a:p>
-        </p:txBody>
-      </p:sp>
-      <p:sp>
-        <p:nvSpPr>
-          <p:cNvPr id="4" name="Slide Number Placeholder 3"/>
-          <p:cNvSpPr>
-            <a:spLocks noGrp="1"/>
-          </p:cNvSpPr>
-          <p:nvPr>
-            <p:ph type="sldNum" sz="quarter" idx="5"/>
-          </p:nvPr>
-        </p:nvSpPr>
-        <p:spPr/>
-        <p:txBody>
-          <a:bodyPr/>
-          <a:lstStyle/>
-          <a:p>
-            <a:fld id="{A22EFDB4-0BC3-4CB3-A7B2-14BE3B37D75F}" type="slidenum">
-              <a:rPr lang="en-US" smtClean="0"/>
-              <a:t>51</a:t>
             </a:fld>
             <a:endParaRPr lang="en-US"/>
           </a:p>
@@ -6405,7 +6285,7 @@
           <a:p>
             <a:fld id="{CD1DAE61-45BD-4568-9ADD-276929D7A0D4}" type="datetimeFigureOut">
               <a:rPr lang="en-US" smtClean="0"/>
-              <a:t>7/28/2020</a:t>
+              <a:t>8/3/2020</a:t>
             </a:fld>
             <a:endParaRPr lang="en-US"/>
           </a:p>
@@ -6613,7 +6493,7 @@
           <a:p>
             <a:fld id="{CD1DAE61-45BD-4568-9ADD-276929D7A0D4}" type="datetimeFigureOut">
               <a:rPr lang="en-US" smtClean="0"/>
-              <a:t>7/28/2020</a:t>
+              <a:t>8/3/2020</a:t>
             </a:fld>
             <a:endParaRPr lang="en-US"/>
           </a:p>
@@ -6869,7 +6749,7 @@
           <a:p>
             <a:fld id="{CD1DAE61-45BD-4568-9ADD-276929D7A0D4}" type="datetimeFigureOut">
               <a:rPr lang="en-US" smtClean="0"/>
-              <a:t>7/28/2020</a:t>
+              <a:t>8/3/2020</a:t>
             </a:fld>
             <a:endParaRPr lang="en-US"/>
           </a:p>
@@ -7043,7 +6923,7 @@
           <a:p>
             <a:fld id="{CD1DAE61-45BD-4568-9ADD-276929D7A0D4}" type="datetimeFigureOut">
               <a:rPr lang="en-US" smtClean="0"/>
-              <a:t>7/28/2020</a:t>
+              <a:t>8/3/2020</a:t>
             </a:fld>
             <a:endParaRPr lang="en-US"/>
           </a:p>
@@ -7386,7 +7266,7 @@
           <a:p>
             <a:fld id="{CD1DAE61-45BD-4568-9ADD-276929D7A0D4}" type="datetimeFigureOut">
               <a:rPr lang="en-US" smtClean="0"/>
-              <a:t>7/28/2020</a:t>
+              <a:t>8/3/2020</a:t>
             </a:fld>
             <a:endParaRPr lang="en-US"/>
           </a:p>
@@ -7661,7 +7541,7 @@
           <a:p>
             <a:fld id="{CD1DAE61-45BD-4568-9ADD-276929D7A0D4}" type="datetimeFigureOut">
               <a:rPr lang="en-US" smtClean="0"/>
-              <a:t>7/28/2020</a:t>
+              <a:t>8/3/2020</a:t>
             </a:fld>
             <a:endParaRPr lang="en-US"/>
           </a:p>
@@ -8040,7 +7920,7 @@
           <a:p>
             <a:fld id="{CD1DAE61-45BD-4568-9ADD-276929D7A0D4}" type="datetimeFigureOut">
               <a:rPr lang="en-US" smtClean="0"/>
-              <a:t>7/28/2020</a:t>
+              <a:t>8/3/2020</a:t>
             </a:fld>
             <a:endParaRPr lang="en-US"/>
           </a:p>
@@ -8158,7 +8038,7 @@
           <a:p>
             <a:fld id="{CD1DAE61-45BD-4568-9ADD-276929D7A0D4}" type="datetimeFigureOut">
               <a:rPr lang="en-US" smtClean="0"/>
-              <a:t>7/28/2020</a:t>
+              <a:t>8/3/2020</a:t>
             </a:fld>
             <a:endParaRPr lang="en-US"/>
           </a:p>
@@ -8329,7 +8209,7 @@
           <a:p>
             <a:fld id="{CD1DAE61-45BD-4568-9ADD-276929D7A0D4}" type="datetimeFigureOut">
               <a:rPr lang="en-US" smtClean="0"/>
-              <a:t>7/28/2020</a:t>
+              <a:t>8/3/2020</a:t>
             </a:fld>
             <a:endParaRPr lang="en-US"/>
           </a:p>
@@ -8683,7 +8563,7 @@
           <a:p>
             <a:fld id="{CD1DAE61-45BD-4568-9ADD-276929D7A0D4}" type="datetimeFigureOut">
               <a:rPr lang="en-US" smtClean="0"/>
-              <a:t>7/28/2020</a:t>
+              <a:t>8/3/2020</a:t>
             </a:fld>
             <a:endParaRPr lang="en-US"/>
           </a:p>
@@ -9065,7 +8945,7 @@
           <a:p>
             <a:fld id="{CD1DAE61-45BD-4568-9ADD-276929D7A0D4}" type="datetimeFigureOut">
               <a:rPr lang="en-US" smtClean="0"/>
-              <a:t>7/28/2020</a:t>
+              <a:t>8/3/2020</a:t>
             </a:fld>
             <a:endParaRPr lang="en-US"/>
           </a:p>
@@ -9352,7 +9232,7 @@
           <a:p>
             <a:fld id="{CD1DAE61-45BD-4568-9ADD-276929D7A0D4}" type="datetimeFigureOut">
               <a:rPr lang="en-US" smtClean="0"/>
-              <a:t>7/28/2020</a:t>
+              <a:t>8/3/2020</a:t>
             </a:fld>
             <a:endParaRPr lang="en-US"/>
           </a:p>
@@ -10061,7 +9941,7 @@
             <a:pPr lvl="1"/>
             <a:r>
               <a:rPr lang="en-US" dirty="0"/>
-              <a:t>None</a:t>
+              <a:t>See 01_Scaffolding</a:t>
             </a:r>
           </a:p>
           <a:p>
@@ -10488,7 +10368,7 @@
             </a:r>
             <a:r>
               <a:rPr lang="en-US" dirty="0"/>
-              <a:t> variable.</a:t>
+              <a:t> value.</a:t>
             </a:r>
           </a:p>
           <a:p>
@@ -10502,7 +10382,7 @@
             </a:r>
             <a:r>
               <a:rPr lang="en-US" dirty="0"/>
-              <a:t> will hold a double variable.</a:t>
+              <a:t> will hold a double value.</a:t>
             </a:r>
           </a:p>
           <a:p>
@@ -11446,7 +11326,7 @@
             <a:pPr lvl="1"/>
             <a:r>
               <a:rPr lang="en-US" dirty="0"/>
-              <a:t>None</a:t>
+              <a:t>See 01_Scaffolding</a:t>
             </a:r>
           </a:p>
           <a:p>
@@ -11651,7 +11531,7 @@
           <a:p>
             <a:r>
               <a:rPr lang="en-US" dirty="0"/>
-              <a:t>Primitive/object variables; declaring/naming variables</a:t>
+              <a:t>Primitive variables; declaring/naming variables</a:t>
             </a:r>
           </a:p>
         </p:txBody>
@@ -12283,7 +12163,7 @@
           <a:p>
             <a:r>
               <a:rPr lang="en-US" dirty="0"/>
-              <a:t>Response: When you know you need a variable somewhere in your code, but you do not know yet know the value it needs to hold. We will see a lot more of this in Unit 5 when we create our own classes.</a:t>
+              <a:t>Response: When you know you need a variable somewhere in your code, but you do not know yet the value it needs to hold. We will see a lot more of this in Unit 5 when we create our own classes.</a:t>
             </a:r>
           </a:p>
         </p:txBody>
@@ -12511,7 +12391,7 @@
             <a:pPr lvl="1"/>
             <a:r>
               <a:rPr lang="en-US" dirty="0"/>
-              <a:t>None</a:t>
+              <a:t>See 01_Scaffolding</a:t>
             </a:r>
           </a:p>
           <a:p>
@@ -13392,20 +13272,14 @@
           <a:p>
             <a:r>
               <a:rPr lang="en-US" dirty="0"/>
-              <a:t>Assigning Values to Numbers</a:t>
-            </a:r>
-          </a:p>
-          <a:p>
-            <a:r>
-              <a:rPr lang="en-US" dirty="0"/>
-              <a:t>Primitive Variables Types – Integers and Decimals</a:t>
-            </a:r>
-          </a:p>
-          <a:p>
-            <a:pPr marL="0" indent="0">
-              <a:buNone/>
-            </a:pPr>
-            <a:endParaRPr lang="en-US" dirty="0"/>
+              <a:t>Assigning Values to Variables</a:t>
+            </a:r>
+          </a:p>
+          <a:p>
+            <a:r>
+              <a:rPr lang="en-US" dirty="0"/>
+              <a:t>Primitive Variables Types</a:t>
+            </a:r>
           </a:p>
         </p:txBody>
       </p:sp>
@@ -13991,94 +13865,6 @@
           <p:cNvPr id="2" name="Title 1">
             <a:extLst>
               <a:ext uri="{FF2B5EF4-FFF2-40B4-BE49-F238E27FC236}">
-                <a16:creationId xmlns:a16="http://schemas.microsoft.com/office/drawing/2014/main" id="{75355994-6C54-41DA-9FEF-22C4894D5C02}"/>
-              </a:ext>
-            </a:extLst>
-          </p:cNvPr>
-          <p:cNvSpPr>
-            <a:spLocks noGrp="1"/>
-          </p:cNvSpPr>
-          <p:nvPr>
-            <p:ph type="title"/>
-          </p:nvPr>
-        </p:nvSpPr>
-        <p:spPr/>
-        <p:txBody>
-          <a:bodyPr/>
-          <a:lstStyle/>
-          <a:p>
-            <a:r>
-              <a:rPr lang="en-US" dirty="0"/>
-              <a:t>Primitive Variable Types</a:t>
-            </a:r>
-          </a:p>
-        </p:txBody>
-      </p:sp>
-      <p:pic>
-        <p:nvPicPr>
-          <p:cNvPr id="7" name="Picture 6">
-            <a:extLst>
-              <a:ext uri="{FF2B5EF4-FFF2-40B4-BE49-F238E27FC236}">
-                <a16:creationId xmlns:a16="http://schemas.microsoft.com/office/drawing/2014/main" id="{0C18C283-B32A-4DCA-8554-A58990CDF3C0}"/>
-              </a:ext>
-            </a:extLst>
-          </p:cNvPr>
-          <p:cNvPicPr>
-            <a:picLocks noChangeAspect="1"/>
-          </p:cNvPicPr>
-          <p:nvPr/>
-        </p:nvPicPr>
-        <p:blipFill>
-          <a:blip r:embed="rId3"/>
-          <a:stretch>
-            <a:fillRect/>
-          </a:stretch>
-        </p:blipFill>
-        <p:spPr>
-          <a:xfrm>
-            <a:off x="1861546" y="1883080"/>
-            <a:ext cx="8468907" cy="4201111"/>
-          </a:xfrm>
-          <a:prstGeom prst="rect">
-            <a:avLst/>
-          </a:prstGeom>
-        </p:spPr>
-      </p:pic>
-    </p:spTree>
-    <p:extLst>
-      <p:ext uri="{BB962C8B-B14F-4D97-AF65-F5344CB8AC3E}">
-        <p14:creationId xmlns:p14="http://schemas.microsoft.com/office/powerpoint/2010/main" val="4048796003"/>
-      </p:ext>
-    </p:extLst>
-  </p:cSld>
-  <p:clrMapOvr>
-    <a:masterClrMapping/>
-  </p:clrMapOvr>
-</p:sld>
-</file>
-
-<file path=ppt/slides/slide32.xml><?xml version="1.0" encoding="utf-8"?>
-<p:sld xmlns:a="http://schemas.openxmlformats.org/drawingml/2006/main" xmlns:r="http://schemas.openxmlformats.org/officeDocument/2006/relationships" xmlns:p="http://schemas.openxmlformats.org/presentationml/2006/main">
-  <p:cSld>
-    <p:spTree>
-      <p:nvGrpSpPr>
-        <p:cNvPr id="1" name=""/>
-        <p:cNvGrpSpPr/>
-        <p:nvPr/>
-      </p:nvGrpSpPr>
-      <p:grpSpPr>
-        <a:xfrm>
-          <a:off x="0" y="0"/>
-          <a:ext cx="0" cy="0"/>
-          <a:chOff x="0" y="0"/>
-          <a:chExt cx="0" cy="0"/>
-        </a:xfrm>
-      </p:grpSpPr>
-      <p:sp>
-        <p:nvSpPr>
-          <p:cNvPr id="2" name="Title 1">
-            <a:extLst>
-              <a:ext uri="{FF2B5EF4-FFF2-40B4-BE49-F238E27FC236}">
                 <a16:creationId xmlns:a16="http://schemas.microsoft.com/office/drawing/2014/main" id="{47AA00BC-9587-4A58-9A9D-D03B4891E3BF}"/>
               </a:ext>
             </a:extLst>
@@ -14356,7 +14142,7 @@
 </p:sld>
 </file>
 
-<file path=ppt/slides/slide33.xml><?xml version="1.0" encoding="utf-8"?>
+<file path=ppt/slides/slide32.xml><?xml version="1.0" encoding="utf-8"?>
 <p:sld xmlns:a="http://schemas.openxmlformats.org/drawingml/2006/main" xmlns:r="http://schemas.openxmlformats.org/officeDocument/2006/relationships" xmlns:p="http://schemas.openxmlformats.org/presentationml/2006/main">
   <p:cSld>
     <p:spTree>
@@ -14777,7 +14563,7 @@
 </p:sld>
 </file>
 
-<file path=ppt/slides/slide34.xml><?xml version="1.0" encoding="utf-8"?>
+<file path=ppt/slides/slide33.xml><?xml version="1.0" encoding="utf-8"?>
 <p:sld xmlns:a="http://schemas.openxmlformats.org/drawingml/2006/main" xmlns:r="http://schemas.openxmlformats.org/officeDocument/2006/relationships" xmlns:p="http://schemas.openxmlformats.org/presentationml/2006/main">
   <p:cSld>
     <p:spTree>
@@ -15229,7 +15015,7 @@
 </p:sld>
 </file>
 
-<file path=ppt/slides/slide35.xml><?xml version="1.0" encoding="utf-8"?>
+<file path=ppt/slides/slide34.xml><?xml version="1.0" encoding="utf-8"?>
 <p:sld xmlns:a="http://schemas.openxmlformats.org/drawingml/2006/main" xmlns:r="http://schemas.openxmlformats.org/officeDocument/2006/relationships" xmlns:p="http://schemas.openxmlformats.org/presentationml/2006/main">
   <p:cSld>
     <p:spTree>
@@ -15681,7 +15467,7 @@
 </p:sld>
 </file>
 
-<file path=ppt/slides/slide36.xml><?xml version="1.0" encoding="utf-8"?>
+<file path=ppt/slides/slide35.xml><?xml version="1.0" encoding="utf-8"?>
 <p:sld xmlns:a="http://schemas.openxmlformats.org/drawingml/2006/main" xmlns:r="http://schemas.openxmlformats.org/officeDocument/2006/relationships" xmlns:p="http://schemas.openxmlformats.org/presentationml/2006/main">
   <p:cSld>
     <p:spTree>
@@ -15897,7 +15683,7 @@
 </p:sld>
 </file>
 
-<file path=ppt/slides/slide37.xml><?xml version="1.0" encoding="utf-8"?>
+<file path=ppt/slides/slide36.xml><?xml version="1.0" encoding="utf-8"?>
 <p:sld xmlns:a="http://schemas.openxmlformats.org/drawingml/2006/main" xmlns:r="http://schemas.openxmlformats.org/officeDocument/2006/relationships" xmlns:p="http://schemas.openxmlformats.org/presentationml/2006/main">
   <p:cSld>
     <p:spTree>
@@ -15994,7 +15780,7 @@
 </p:sld>
 </file>
 
-<file path=ppt/slides/slide38.xml><?xml version="1.0" encoding="utf-8"?>
+<file path=ppt/slides/slide37.xml><?xml version="1.0" encoding="utf-8"?>
 <p:sld xmlns:a="http://schemas.openxmlformats.org/drawingml/2006/main" xmlns:r="http://schemas.openxmlformats.org/officeDocument/2006/relationships" xmlns:p="http://schemas.openxmlformats.org/presentationml/2006/main">
   <p:cSld>
     <p:spTree>
@@ -16535,7 +16321,7 @@
 </p:sld>
 </file>
 
-<file path=ppt/slides/slide39.xml><?xml version="1.0" encoding="utf-8"?>
+<file path=ppt/slides/slide38.xml><?xml version="1.0" encoding="utf-8"?>
 <p:sld xmlns:a="http://schemas.openxmlformats.org/drawingml/2006/main" xmlns:r="http://schemas.openxmlformats.org/officeDocument/2006/relationships" xmlns:p="http://schemas.openxmlformats.org/presentationml/2006/main">
   <p:cSld>
     <p:spTree>
@@ -16774,6 +16560,109 @@
 </p:sld>
 </file>
 
+<file path=ppt/slides/slide39.xml><?xml version="1.0" encoding="utf-8"?>
+<p:sld xmlns:a="http://schemas.openxmlformats.org/drawingml/2006/main" xmlns:r="http://schemas.openxmlformats.org/officeDocument/2006/relationships" xmlns:p="http://schemas.openxmlformats.org/presentationml/2006/main">
+  <p:cSld>
+    <p:spTree>
+      <p:nvGrpSpPr>
+        <p:cNvPr id="1" name=""/>
+        <p:cNvGrpSpPr/>
+        <p:nvPr/>
+      </p:nvGrpSpPr>
+      <p:grpSpPr>
+        <a:xfrm>
+          <a:off x="0" y="0"/>
+          <a:ext cx="0" cy="0"/>
+          <a:chOff x="0" y="0"/>
+          <a:chExt cx="0" cy="0"/>
+        </a:xfrm>
+      </p:grpSpPr>
+      <p:sp>
+        <p:nvSpPr>
+          <p:cNvPr id="2" name="Title 1">
+            <a:extLst>
+              <a:ext uri="{FF2B5EF4-FFF2-40B4-BE49-F238E27FC236}">
+                <a16:creationId xmlns:a16="http://schemas.microsoft.com/office/drawing/2014/main" id="{75355994-6C54-41DA-9FEF-22C4894D5C02}"/>
+              </a:ext>
+            </a:extLst>
+          </p:cNvPr>
+          <p:cNvSpPr>
+            <a:spLocks noGrp="1"/>
+          </p:cNvSpPr>
+          <p:nvPr>
+            <p:ph type="title"/>
+          </p:nvPr>
+        </p:nvSpPr>
+        <p:spPr/>
+        <p:txBody>
+          <a:bodyPr>
+            <a:normAutofit/>
+          </a:bodyPr>
+          <a:lstStyle/>
+          <a:p>
+            <a:r>
+              <a:rPr lang="en-US" sz="4000" dirty="0"/>
+              <a:t>Primitive Variable Types – Integers and Decimals</a:t>
+            </a:r>
+          </a:p>
+        </p:txBody>
+      </p:sp>
+      <p:sp>
+        <p:nvSpPr>
+          <p:cNvPr id="5" name="Content Placeholder 4">
+            <a:extLst>
+              <a:ext uri="{FF2B5EF4-FFF2-40B4-BE49-F238E27FC236}">
+                <a16:creationId xmlns:a16="http://schemas.microsoft.com/office/drawing/2014/main" id="{D87B6A8D-66DC-440D-8294-8FBA53C049E7}"/>
+              </a:ext>
+            </a:extLst>
+          </p:cNvPr>
+          <p:cNvSpPr>
+            <a:spLocks noGrp="1"/>
+          </p:cNvSpPr>
+          <p:nvPr>
+            <p:ph idx="1"/>
+          </p:nvPr>
+        </p:nvSpPr>
+        <p:spPr/>
+        <p:txBody>
+          <a:bodyPr/>
+          <a:lstStyle/>
+          <a:p>
+            <a:r>
+              <a:rPr lang="en-US" dirty="0"/>
+              <a:t>A double-type variable can hold an integer-type variable.</a:t>
+            </a:r>
+          </a:p>
+          <a:p>
+            <a:r>
+              <a:rPr lang="en-US" dirty="0"/>
+              <a:t>An integer-type variable cannot hold a double-type variable.</a:t>
+            </a:r>
+          </a:p>
+          <a:p>
+            <a:r>
+              <a:rPr lang="en-US" dirty="0"/>
+              <a:t>A ‘smaller’ variable cannot hold a ‘larger’ variable.</a:t>
+            </a:r>
+          </a:p>
+          <a:p>
+            <a:endParaRPr lang="en-US" dirty="0"/>
+          </a:p>
+        </p:txBody>
+      </p:sp>
+    </p:spTree>
+    <p:extLst>
+      <p:ext uri="{BB962C8B-B14F-4D97-AF65-F5344CB8AC3E}">
+        <p14:creationId xmlns:p14="http://schemas.microsoft.com/office/powerpoint/2010/main" val="3401133073"/>
+      </p:ext>
+    </p:extLst>
+  </p:cSld>
+  <p:clrMapOvr>
+    <a:masterClrMapping/>
+  </p:clrMapOvr>
+</p:sld>
+</file>
+
 <file path=ppt/slides/slide4.xml><?xml version="1.0" encoding="utf-8"?>
 <p:sld xmlns:a="http://schemas.openxmlformats.org/drawingml/2006/main" xmlns:r="http://schemas.openxmlformats.org/officeDocument/2006/relationships" xmlns:p="http://schemas.openxmlformats.org/presentationml/2006/main">
   <p:cSld>
@@ -16866,109 +16755,6 @@
 </file>
 
 <file path=ppt/slides/slide40.xml><?xml version="1.0" encoding="utf-8"?>
-<p:sld xmlns:a="http://schemas.openxmlformats.org/drawingml/2006/main" xmlns:r="http://schemas.openxmlformats.org/officeDocument/2006/relationships" xmlns:p="http://schemas.openxmlformats.org/presentationml/2006/main">
-  <p:cSld>
-    <p:spTree>
-      <p:nvGrpSpPr>
-        <p:cNvPr id="1" name=""/>
-        <p:cNvGrpSpPr/>
-        <p:nvPr/>
-      </p:nvGrpSpPr>
-      <p:grpSpPr>
-        <a:xfrm>
-          <a:off x="0" y="0"/>
-          <a:ext cx="0" cy="0"/>
-          <a:chOff x="0" y="0"/>
-          <a:chExt cx="0" cy="0"/>
-        </a:xfrm>
-      </p:grpSpPr>
-      <p:sp>
-        <p:nvSpPr>
-          <p:cNvPr id="2" name="Title 1">
-            <a:extLst>
-              <a:ext uri="{FF2B5EF4-FFF2-40B4-BE49-F238E27FC236}">
-                <a16:creationId xmlns:a16="http://schemas.microsoft.com/office/drawing/2014/main" id="{75355994-6C54-41DA-9FEF-22C4894D5C02}"/>
-              </a:ext>
-            </a:extLst>
-          </p:cNvPr>
-          <p:cNvSpPr>
-            <a:spLocks noGrp="1"/>
-          </p:cNvSpPr>
-          <p:nvPr>
-            <p:ph type="title"/>
-          </p:nvPr>
-        </p:nvSpPr>
-        <p:spPr/>
-        <p:txBody>
-          <a:bodyPr>
-            <a:normAutofit/>
-          </a:bodyPr>
-          <a:lstStyle/>
-          <a:p>
-            <a:r>
-              <a:rPr lang="en-US" sz="4000" dirty="0"/>
-              <a:t>Primitive Variable Types – Integers and Decimals</a:t>
-            </a:r>
-          </a:p>
-        </p:txBody>
-      </p:sp>
-      <p:sp>
-        <p:nvSpPr>
-          <p:cNvPr id="5" name="Content Placeholder 4">
-            <a:extLst>
-              <a:ext uri="{FF2B5EF4-FFF2-40B4-BE49-F238E27FC236}">
-                <a16:creationId xmlns:a16="http://schemas.microsoft.com/office/drawing/2014/main" id="{D87B6A8D-66DC-440D-8294-8FBA53C049E7}"/>
-              </a:ext>
-            </a:extLst>
-          </p:cNvPr>
-          <p:cNvSpPr>
-            <a:spLocks noGrp="1"/>
-          </p:cNvSpPr>
-          <p:nvPr>
-            <p:ph idx="1"/>
-          </p:nvPr>
-        </p:nvSpPr>
-        <p:spPr/>
-        <p:txBody>
-          <a:bodyPr/>
-          <a:lstStyle/>
-          <a:p>
-            <a:r>
-              <a:rPr lang="en-US" dirty="0"/>
-              <a:t>A double-type variable can hold an integer-type variable.</a:t>
-            </a:r>
-          </a:p>
-          <a:p>
-            <a:r>
-              <a:rPr lang="en-US" dirty="0"/>
-              <a:t>An integer-type variable cannot hold a double-type variable.</a:t>
-            </a:r>
-          </a:p>
-          <a:p>
-            <a:r>
-              <a:rPr lang="en-US" dirty="0"/>
-              <a:t>A ‘smaller’ variable cannot hold a ‘larger’ variable.</a:t>
-            </a:r>
-          </a:p>
-          <a:p>
-            <a:endParaRPr lang="en-US" dirty="0"/>
-          </a:p>
-        </p:txBody>
-      </p:sp>
-    </p:spTree>
-    <p:extLst>
-      <p:ext uri="{BB962C8B-B14F-4D97-AF65-F5344CB8AC3E}">
-        <p14:creationId xmlns:p14="http://schemas.microsoft.com/office/powerpoint/2010/main" val="3401133073"/>
-      </p:ext>
-    </p:extLst>
-  </p:cSld>
-  <p:clrMapOvr>
-    <a:masterClrMapping/>
-  </p:clrMapOvr>
-</p:sld>
-</file>
-
-<file path=ppt/slides/slide41.xml><?xml version="1.0" encoding="utf-8"?>
 <p:sld xmlns:a="http://schemas.openxmlformats.org/drawingml/2006/main" xmlns:r="http://schemas.openxmlformats.org/officeDocument/2006/relationships" xmlns:p="http://schemas.openxmlformats.org/presentationml/2006/main">
   <p:cSld>
     <p:spTree>
@@ -17509,7 +17295,7 @@
 </p:sld>
 </file>
 
-<file path=ppt/slides/slide42.xml><?xml version="1.0" encoding="utf-8"?>
+<file path=ppt/slides/slide41.xml><?xml version="1.0" encoding="utf-8"?>
 <p:sld xmlns:a="http://schemas.openxmlformats.org/drawingml/2006/main" xmlns:r="http://schemas.openxmlformats.org/officeDocument/2006/relationships" xmlns:p="http://schemas.openxmlformats.org/presentationml/2006/main">
   <p:cSld>
     <p:spTree>
@@ -17613,7 +17399,7 @@
 </p:sld>
 </file>
 
-<file path=ppt/slides/slide43.xml><?xml version="1.0" encoding="utf-8"?>
+<file path=ppt/slides/slide42.xml><?xml version="1.0" encoding="utf-8"?>
 <p:sld xmlns:a="http://schemas.openxmlformats.org/drawingml/2006/main" xmlns:r="http://schemas.openxmlformats.org/officeDocument/2006/relationships" xmlns:p="http://schemas.openxmlformats.org/presentationml/2006/main">
   <p:cSld>
     <p:spTree>
@@ -18154,7 +17940,7 @@
 </p:sld>
 </file>
 
-<file path=ppt/slides/slide44.xml><?xml version="1.0" encoding="utf-8"?>
+<file path=ppt/slides/slide43.xml><?xml version="1.0" encoding="utf-8"?>
 <p:sld xmlns:a="http://schemas.openxmlformats.org/drawingml/2006/main" xmlns:r="http://schemas.openxmlformats.org/officeDocument/2006/relationships" xmlns:p="http://schemas.openxmlformats.org/presentationml/2006/main">
   <p:cSld>
     <p:spTree>
@@ -18373,7 +18159,7 @@
 </p:sld>
 </file>
 
-<file path=ppt/slides/slide45.xml><?xml version="1.0" encoding="utf-8"?>
+<file path=ppt/slides/slide44.xml><?xml version="1.0" encoding="utf-8"?>
 <p:sld xmlns:a="http://schemas.openxmlformats.org/drawingml/2006/main" xmlns:r="http://schemas.openxmlformats.org/officeDocument/2006/relationships" xmlns:p="http://schemas.openxmlformats.org/presentationml/2006/main">
   <p:cSld>
     <p:spTree>
@@ -18851,7 +18637,7 @@
 </p:sld>
 </file>
 
-<file path=ppt/slides/slide46.xml><?xml version="1.0" encoding="utf-8"?>
+<file path=ppt/slides/slide45.xml><?xml version="1.0" encoding="utf-8"?>
 <p:sld xmlns:a="http://schemas.openxmlformats.org/drawingml/2006/main" xmlns:r="http://schemas.openxmlformats.org/officeDocument/2006/relationships" xmlns:p="http://schemas.openxmlformats.org/presentationml/2006/main">
   <p:cSld>
     <p:spTree>
@@ -18988,7 +18774,7 @@
 </p:sld>
 </file>
 
-<file path=ppt/slides/slide47.xml><?xml version="1.0" encoding="utf-8"?>
+<file path=ppt/slides/slide46.xml><?xml version="1.0" encoding="utf-8"?>
 <p:sld xmlns:a="http://schemas.openxmlformats.org/drawingml/2006/main" xmlns:r="http://schemas.openxmlformats.org/officeDocument/2006/relationships" xmlns:p="http://schemas.openxmlformats.org/presentationml/2006/main">
   <p:cSld>
     <p:spTree>
@@ -19123,7 +18909,7 @@
 </p:sld>
 </file>
 
-<file path=ppt/slides/slide48.xml><?xml version="1.0" encoding="utf-8"?>
+<file path=ppt/slides/slide47.xml><?xml version="1.0" encoding="utf-8"?>
 <p:sld xmlns:a="http://schemas.openxmlformats.org/drawingml/2006/main" xmlns:r="http://schemas.openxmlformats.org/officeDocument/2006/relationships" xmlns:p="http://schemas.openxmlformats.org/presentationml/2006/main">
   <p:cSld>
     <p:spTree>
@@ -19182,6 +18968,285 @@
 </p:sld>
 </file>
 
+<file path=ppt/slides/slide48.xml><?xml version="1.0" encoding="utf-8"?>
+<p:sld xmlns:a="http://schemas.openxmlformats.org/drawingml/2006/main" xmlns:r="http://schemas.openxmlformats.org/officeDocument/2006/relationships" xmlns:p="http://schemas.openxmlformats.org/presentationml/2006/main">
+  <p:cSld>
+    <p:spTree>
+      <p:nvGrpSpPr>
+        <p:cNvPr id="1" name=""/>
+        <p:cNvGrpSpPr/>
+        <p:nvPr/>
+      </p:nvGrpSpPr>
+      <p:grpSpPr>
+        <a:xfrm>
+          <a:off x="0" y="0"/>
+          <a:ext cx="0" cy="0"/>
+          <a:chOff x="0" y="0"/>
+          <a:chExt cx="0" cy="0"/>
+        </a:xfrm>
+      </p:grpSpPr>
+      <p:sp>
+        <p:nvSpPr>
+          <p:cNvPr id="2" name="Title 1">
+            <a:extLst>
+              <a:ext uri="{FF2B5EF4-FFF2-40B4-BE49-F238E27FC236}">
+                <a16:creationId xmlns:a16="http://schemas.microsoft.com/office/drawing/2014/main" id="{75355994-6C54-41DA-9FEF-22C4894D5C02}"/>
+              </a:ext>
+            </a:extLst>
+          </p:cNvPr>
+          <p:cNvSpPr>
+            <a:spLocks noGrp="1"/>
+          </p:cNvSpPr>
+          <p:nvPr>
+            <p:ph type="title"/>
+          </p:nvPr>
+        </p:nvSpPr>
+        <p:spPr/>
+        <p:txBody>
+          <a:bodyPr/>
+          <a:lstStyle/>
+          <a:p>
+            <a:r>
+              <a:rPr lang="en-US" dirty="0"/>
+              <a:t>Primitive Variables - char</a:t>
+            </a:r>
+          </a:p>
+        </p:txBody>
+      </p:sp>
+      <p:sp>
+        <p:nvSpPr>
+          <p:cNvPr id="5" name="Content Placeholder 4">
+            <a:extLst>
+              <a:ext uri="{FF2B5EF4-FFF2-40B4-BE49-F238E27FC236}">
+                <a16:creationId xmlns:a16="http://schemas.microsoft.com/office/drawing/2014/main" id="{D87B6A8D-66DC-440D-8294-8FBA53C049E7}"/>
+              </a:ext>
+            </a:extLst>
+          </p:cNvPr>
+          <p:cNvSpPr>
+            <a:spLocks noGrp="1"/>
+          </p:cNvSpPr>
+          <p:nvPr>
+            <p:ph sz="half" idx="1"/>
+          </p:nvPr>
+        </p:nvSpPr>
+        <p:spPr/>
+        <p:txBody>
+          <a:bodyPr>
+            <a:normAutofit/>
+          </a:bodyPr>
+          <a:lstStyle/>
+          <a:p>
+            <a:r>
+              <a:rPr lang="en-US" sz="2800" dirty="0"/>
+              <a:t>Code: </a:t>
+            </a:r>
+          </a:p>
+          <a:p>
+            <a:r>
+              <a:rPr lang="en-US" sz="2400" dirty="0"/>
+              <a:t>char letter = ‘A’;</a:t>
+            </a:r>
+            <a:br>
+              <a:rPr lang="en-US" sz="2400" dirty="0"/>
+            </a:br>
+            <a:r>
+              <a:rPr lang="en-US" sz="2400" dirty="0"/>
+              <a:t>char </a:t>
+            </a:r>
+            <a:r>
+              <a:rPr lang="en-US" sz="2400" dirty="0" err="1"/>
+              <a:t>letterA</a:t>
+            </a:r>
+            <a:r>
+              <a:rPr lang="en-US" sz="2400" dirty="0"/>
+              <a:t> = 65;</a:t>
+            </a:r>
+            <a:br>
+              <a:rPr lang="en-US" sz="2400" dirty="0"/>
+            </a:br>
+            <a:r>
+              <a:rPr lang="en-US" sz="2400" dirty="0"/>
+              <a:t>char </a:t>
+            </a:r>
+            <a:r>
+              <a:rPr lang="en-US" sz="2400" dirty="0" err="1"/>
+              <a:t>letterMystery</a:t>
+            </a:r>
+            <a:r>
+              <a:rPr lang="en-US" sz="2400" dirty="0"/>
+              <a:t> = ‘A’ + 3;</a:t>
+            </a:r>
+            <a:br>
+              <a:rPr lang="en-US" sz="2400" dirty="0"/>
+            </a:br>
+            <a:r>
+              <a:rPr lang="en-US" sz="2400" dirty="0" err="1"/>
+              <a:t>System.out.println</a:t>
+            </a:r>
+            <a:r>
+              <a:rPr lang="en-US" sz="2400" dirty="0"/>
+              <a:t>(letter);</a:t>
+            </a:r>
+            <a:br>
+              <a:rPr lang="en-US" sz="2400" dirty="0"/>
+            </a:br>
+            <a:r>
+              <a:rPr lang="en-US" sz="2400" dirty="0" err="1"/>
+              <a:t>System.out.println</a:t>
+            </a:r>
+            <a:r>
+              <a:rPr lang="en-US" sz="2400" dirty="0"/>
+              <a:t>(</a:t>
+            </a:r>
+            <a:r>
+              <a:rPr lang="en-US" sz="2400" dirty="0" err="1"/>
+              <a:t>letterA</a:t>
+            </a:r>
+            <a:r>
+              <a:rPr lang="en-US" sz="2400" dirty="0"/>
+              <a:t>);</a:t>
+            </a:r>
+            <a:br>
+              <a:rPr lang="en-US" sz="2400" dirty="0"/>
+            </a:br>
+            <a:r>
+              <a:rPr lang="en-US" sz="2400" dirty="0" err="1"/>
+              <a:t>System.out.println</a:t>
+            </a:r>
+            <a:r>
+              <a:rPr lang="en-US" sz="2400" dirty="0"/>
+              <a:t>(</a:t>
+            </a:r>
+            <a:r>
+              <a:rPr lang="en-US" sz="2400" dirty="0" err="1"/>
+              <a:t>letterMystery</a:t>
+            </a:r>
+            <a:r>
+              <a:rPr lang="en-US" sz="2400" dirty="0"/>
+              <a:t>);</a:t>
+            </a:r>
+            <a:br>
+              <a:rPr lang="en-US" sz="2400" dirty="0"/>
+            </a:br>
+            <a:r>
+              <a:rPr lang="en-US" sz="2400" dirty="0" err="1"/>
+              <a:t>System.out.println</a:t>
+            </a:r>
+            <a:r>
+              <a:rPr lang="en-US" sz="2400" dirty="0"/>
+              <a:t>(‘A’ + 3);</a:t>
+            </a:r>
+            <a:br>
+              <a:rPr lang="en-US" sz="2400" dirty="0"/>
+            </a:br>
+            <a:r>
+              <a:rPr lang="en-US" sz="2400" dirty="0" err="1"/>
+              <a:t>System.out.println</a:t>
+            </a:r>
+            <a:r>
+              <a:rPr lang="en-US" sz="2400" dirty="0"/>
+              <a:t>(‘A’/5);</a:t>
+            </a:r>
+          </a:p>
+          <a:p>
+            <a:endParaRPr lang="en-US" sz="2800" dirty="0"/>
+          </a:p>
+          <a:p>
+            <a:endParaRPr lang="en-US" sz="2800" dirty="0"/>
+          </a:p>
+        </p:txBody>
+      </p:sp>
+      <p:sp>
+        <p:nvSpPr>
+          <p:cNvPr id="4" name="Content Placeholder 3">
+            <a:extLst>
+              <a:ext uri="{FF2B5EF4-FFF2-40B4-BE49-F238E27FC236}">
+                <a16:creationId xmlns:a16="http://schemas.microsoft.com/office/drawing/2014/main" id="{589F04C7-DA82-4C2A-9D17-A44F9935ED8D}"/>
+              </a:ext>
+            </a:extLst>
+          </p:cNvPr>
+          <p:cNvSpPr>
+            <a:spLocks noGrp="1"/>
+          </p:cNvSpPr>
+          <p:nvPr>
+            <p:ph sz="half" idx="2"/>
+          </p:nvPr>
+        </p:nvSpPr>
+        <p:spPr/>
+        <p:txBody>
+          <a:bodyPr>
+            <a:normAutofit/>
+          </a:bodyPr>
+          <a:lstStyle/>
+          <a:p>
+            <a:pPr marL="0" indent="0">
+              <a:buNone/>
+            </a:pPr>
+            <a:r>
+              <a:rPr lang="en-US" sz="2800" dirty="0"/>
+              <a:t>Output:</a:t>
+            </a:r>
+          </a:p>
+          <a:p>
+            <a:pPr marL="0" indent="0">
+              <a:buNone/>
+            </a:pPr>
+            <a:r>
+              <a:rPr lang="en-US" sz="2400" dirty="0"/>
+              <a:t>A</a:t>
+            </a:r>
+          </a:p>
+          <a:p>
+            <a:pPr marL="0" indent="0">
+              <a:buNone/>
+            </a:pPr>
+            <a:r>
+              <a:rPr lang="en-US" sz="2400" dirty="0"/>
+              <a:t>A</a:t>
+            </a:r>
+          </a:p>
+          <a:p>
+            <a:pPr marL="0" indent="0">
+              <a:buNone/>
+            </a:pPr>
+            <a:r>
+              <a:rPr lang="en-US" sz="2400" dirty="0"/>
+              <a:t>D</a:t>
+            </a:r>
+          </a:p>
+          <a:p>
+            <a:pPr marL="0" indent="0">
+              <a:buNone/>
+            </a:pPr>
+            <a:r>
+              <a:rPr lang="en-US" sz="2400" dirty="0"/>
+              <a:t>68</a:t>
+            </a:r>
+          </a:p>
+          <a:p>
+            <a:pPr marL="0" indent="0">
+              <a:buNone/>
+            </a:pPr>
+            <a:r>
+              <a:rPr lang="en-US" sz="2400" dirty="0"/>
+              <a:t>13</a:t>
+            </a:r>
+          </a:p>
+        </p:txBody>
+      </p:sp>
+    </p:spTree>
+    <p:extLst>
+      <p:ext uri="{BB962C8B-B14F-4D97-AF65-F5344CB8AC3E}">
+        <p14:creationId xmlns:p14="http://schemas.microsoft.com/office/powerpoint/2010/main" val="2664594037"/>
+      </p:ext>
+    </p:extLst>
+  </p:cSld>
+  <p:clrMapOvr>
+    <a:masterClrMapping/>
+  </p:clrMapOvr>
+</p:sld>
+</file>
+
 <file path=ppt/slides/slide49.xml><?xml version="1.0" encoding="utf-8"?>
 <p:sld xmlns:a="http://schemas.openxmlformats.org/drawingml/2006/main" xmlns:r="http://schemas.openxmlformats.org/officeDocument/2006/relationships" xmlns:p="http://schemas.openxmlformats.org/presentationml/2006/main">
   <p:cSld>
@@ -19222,17 +19287,17 @@
           <a:p>
             <a:r>
               <a:rPr lang="en-US" dirty="0"/>
-              <a:t>Primitive Variables - char</a:t>
-            </a:r>
-          </a:p>
-        </p:txBody>
-      </p:sp>
-      <p:sp>
-        <p:nvSpPr>
-          <p:cNvPr id="5" name="Content Placeholder 4">
+              <a:t>Objectives</a:t>
+            </a:r>
+          </a:p>
+        </p:txBody>
+      </p:sp>
+      <p:sp>
+        <p:nvSpPr>
+          <p:cNvPr id="3" name="Content Placeholder 2">
             <a:extLst>
               <a:ext uri="{FF2B5EF4-FFF2-40B4-BE49-F238E27FC236}">
-                <a16:creationId xmlns:a16="http://schemas.microsoft.com/office/drawing/2014/main" id="{D87B6A8D-66DC-440D-8294-8FBA53C049E7}"/>
+                <a16:creationId xmlns:a16="http://schemas.microsoft.com/office/drawing/2014/main" id="{E6A666D6-AB47-4AC5-AF89-E91B76A86F1C}"/>
               </a:ext>
             </a:extLst>
           </p:cNvPr>
@@ -19240,7 +19305,7 @@
             <a:spLocks noGrp="1"/>
           </p:cNvSpPr>
           <p:nvPr>
-            <p:ph sz="half" idx="1"/>
+            <p:ph idx="1"/>
           </p:nvPr>
         </p:nvSpPr>
         <p:spPr/>
@@ -19251,207 +19316,51 @@
           <a:lstStyle/>
           <a:p>
             <a:r>
-              <a:rPr lang="en-US" sz="2800" dirty="0"/>
-              <a:t>Code: </a:t>
-            </a:r>
-          </a:p>
-          <a:p>
-            <a:r>
-              <a:rPr lang="en-US" sz="2400" dirty="0"/>
-              <a:t>char letter = ‘A’;</a:t>
-            </a:r>
-            <a:br>
-              <a:rPr lang="en-US" sz="2400" dirty="0"/>
-            </a:br>
-            <a:r>
-              <a:rPr lang="en-US" sz="2400" dirty="0"/>
-              <a:t>char </a:t>
-            </a:r>
-            <a:r>
-              <a:rPr lang="en-US" sz="2400" dirty="0" err="1"/>
-              <a:t>letterA</a:t>
-            </a:r>
-            <a:r>
-              <a:rPr lang="en-US" sz="2400" dirty="0"/>
-              <a:t> = 65;</a:t>
-            </a:r>
-            <a:br>
-              <a:rPr lang="en-US" sz="2400" dirty="0"/>
-            </a:br>
-            <a:r>
-              <a:rPr lang="en-US" sz="2400" dirty="0"/>
-              <a:t>char </a:t>
-            </a:r>
-            <a:r>
-              <a:rPr lang="en-US" sz="2400" dirty="0" err="1"/>
-              <a:t>letterMystery</a:t>
-            </a:r>
-            <a:r>
-              <a:rPr lang="en-US" sz="2400" dirty="0"/>
-              <a:t> = ‘A’ + 3;</a:t>
-            </a:r>
-            <a:br>
-              <a:rPr lang="en-US" sz="2400" dirty="0"/>
-            </a:br>
-            <a:r>
-              <a:rPr lang="en-US" sz="2400" dirty="0" err="1"/>
-              <a:t>System.out.println</a:t>
-            </a:r>
-            <a:r>
-              <a:rPr lang="en-US" sz="2400" dirty="0"/>
-              <a:t>(letter);</a:t>
-            </a:r>
-            <a:br>
-              <a:rPr lang="en-US" sz="2400" dirty="0"/>
-            </a:br>
-            <a:r>
-              <a:rPr lang="en-US" sz="2400" dirty="0" err="1"/>
-              <a:t>System.out.println</a:t>
-            </a:r>
-            <a:r>
-              <a:rPr lang="en-US" sz="2400" dirty="0"/>
-              <a:t>(</a:t>
-            </a:r>
-            <a:r>
-              <a:rPr lang="en-US" sz="2400" dirty="0" err="1"/>
-              <a:t>letterA</a:t>
-            </a:r>
-            <a:r>
-              <a:rPr lang="en-US" sz="2400" dirty="0"/>
-              <a:t>);</a:t>
-            </a:r>
-            <a:br>
-              <a:rPr lang="en-US" sz="2400" dirty="0"/>
-            </a:br>
-            <a:r>
-              <a:rPr lang="en-US" sz="2400" dirty="0" err="1"/>
-              <a:t>System.out.println</a:t>
-            </a:r>
-            <a:r>
-              <a:rPr lang="en-US" sz="2400" dirty="0"/>
-              <a:t>(</a:t>
-            </a:r>
-            <a:r>
-              <a:rPr lang="en-US" sz="2400" dirty="0" err="1"/>
-              <a:t>letterMystery</a:t>
-            </a:r>
-            <a:r>
-              <a:rPr lang="en-US" sz="2400" dirty="0"/>
-              <a:t>);</a:t>
-            </a:r>
-            <a:br>
-              <a:rPr lang="en-US" sz="2400" dirty="0"/>
-            </a:br>
-            <a:r>
-              <a:rPr lang="en-US" sz="2400" dirty="0" err="1"/>
-              <a:t>System.out.println</a:t>
-            </a:r>
-            <a:r>
-              <a:rPr lang="en-US" sz="2400" dirty="0"/>
-              <a:t>(‘A’ + 3);</a:t>
-            </a:r>
-            <a:br>
-              <a:rPr lang="en-US" sz="2400" dirty="0"/>
-            </a:br>
-            <a:r>
-              <a:rPr lang="en-US" sz="2400" dirty="0" err="1"/>
-              <a:t>System.out.println</a:t>
-            </a:r>
-            <a:r>
-              <a:rPr lang="en-US" sz="2400" dirty="0"/>
-              <a:t>(‘A’/5);</a:t>
-            </a:r>
-          </a:p>
-          <a:p>
-            <a:endParaRPr lang="en-US" sz="2800" dirty="0"/>
-          </a:p>
-          <a:p>
-            <a:endParaRPr lang="en-US" sz="2800" dirty="0"/>
-          </a:p>
-        </p:txBody>
-      </p:sp>
-      <p:sp>
-        <p:nvSpPr>
-          <p:cNvPr id="4" name="Content Placeholder 3">
-            <a:extLst>
-              <a:ext uri="{FF2B5EF4-FFF2-40B4-BE49-F238E27FC236}">
-                <a16:creationId xmlns:a16="http://schemas.microsoft.com/office/drawing/2014/main" id="{589F04C7-DA82-4C2A-9D17-A44F9935ED8D}"/>
-              </a:ext>
-            </a:extLst>
-          </p:cNvPr>
-          <p:cNvSpPr>
-            <a:spLocks noGrp="1"/>
-          </p:cNvSpPr>
-          <p:nvPr>
-            <p:ph sz="half" idx="2"/>
-          </p:nvPr>
-        </p:nvSpPr>
-        <p:spPr/>
-        <p:txBody>
-          <a:bodyPr>
-            <a:normAutofit/>
-          </a:bodyPr>
-          <a:lstStyle/>
-          <a:p>
-            <a:pPr marL="0" indent="0">
-              <a:buNone/>
-            </a:pPr>
-            <a:r>
-              <a:rPr lang="en-US" sz="2800" dirty="0"/>
-              <a:t>Output:</a:t>
-            </a:r>
-          </a:p>
-          <a:p>
-            <a:pPr marL="0" indent="0">
-              <a:buNone/>
-            </a:pPr>
-            <a:r>
-              <a:rPr lang="en-US" sz="2400" dirty="0"/>
-              <a:t>A</a:t>
-            </a:r>
-          </a:p>
-          <a:p>
-            <a:pPr marL="0" indent="0">
-              <a:buNone/>
-            </a:pPr>
-            <a:r>
-              <a:rPr lang="en-US" sz="2400" dirty="0"/>
-              <a:t>A</a:t>
-            </a:r>
-          </a:p>
-          <a:p>
-            <a:pPr marL="0" indent="0">
-              <a:buNone/>
-            </a:pPr>
-            <a:r>
-              <a:rPr lang="en-US" sz="2400" dirty="0"/>
-              <a:t>D</a:t>
-            </a:r>
-          </a:p>
-          <a:p>
-            <a:pPr marL="0" indent="0">
-              <a:buNone/>
-            </a:pPr>
-            <a:r>
-              <a:rPr lang="en-US" sz="2400" dirty="0"/>
-              <a:t>68</a:t>
-            </a:r>
-          </a:p>
-          <a:p>
-            <a:pPr marL="0" indent="0">
-              <a:buNone/>
-            </a:pPr>
-            <a:r>
-              <a:rPr lang="en-US" sz="2400" dirty="0"/>
-              <a:t>13</a:t>
-            </a:r>
+              <a:rPr lang="en-US" dirty="0"/>
+              <a:t>I understand a primitive variable stores the actual value</a:t>
+            </a:r>
+          </a:p>
+          <a:p>
+            <a:r>
+              <a:rPr lang="en-US" dirty="0"/>
+              <a:t>I can explain the differences between the integer type variables: byte, short, int, long</a:t>
+            </a:r>
+          </a:p>
+          <a:p>
+            <a:r>
+              <a:rPr lang="en-US" dirty="0"/>
+              <a:t>I can explain the differences between the decimal type variables: float, double</a:t>
+            </a:r>
+          </a:p>
+          <a:p>
+            <a:r>
+              <a:rPr lang="en-US" dirty="0"/>
+              <a:t>I can explain what a char is and understand it is actually stored in memory as an integer</a:t>
+            </a:r>
+          </a:p>
+          <a:p>
+            <a:r>
+              <a:rPr lang="en-US" dirty="0"/>
+              <a:t>I can explain what a </a:t>
+            </a:r>
+            <a:r>
+              <a:rPr lang="en-US" dirty="0" err="1"/>
+              <a:t>boolean</a:t>
+            </a:r>
+            <a:r>
+              <a:rPr lang="en-US" dirty="0"/>
+              <a:t> value is</a:t>
+            </a:r>
+          </a:p>
+          <a:p>
+            <a:endParaRPr lang="en-US" dirty="0"/>
           </a:p>
         </p:txBody>
       </p:sp>
     </p:spTree>
     <p:extLst>
       <p:ext uri="{BB962C8B-B14F-4D97-AF65-F5344CB8AC3E}">
-        <p14:creationId xmlns:p14="http://schemas.microsoft.com/office/powerpoint/2010/main" val="2664594037"/>
+        <p14:creationId xmlns:p14="http://schemas.microsoft.com/office/powerpoint/2010/main" val="2218835812"/>
       </p:ext>
     </p:extLst>
   </p:cSld>
@@ -19595,7 +19504,7 @@
           <a:p>
             <a:r>
               <a:rPr lang="en-US" dirty="0"/>
-              <a:t>Objectives</a:t>
+              <a:t>Follow Up</a:t>
             </a:r>
           </a:p>
         </p:txBody>
@@ -19619,129 +19528,6 @@
         <p:spPr/>
         <p:txBody>
           <a:bodyPr>
-            <a:normAutofit/>
-          </a:bodyPr>
-          <a:lstStyle/>
-          <a:p>
-            <a:r>
-              <a:rPr lang="en-US" dirty="0"/>
-              <a:t>I understand a primitive variable stores the actual value</a:t>
-            </a:r>
-          </a:p>
-          <a:p>
-            <a:r>
-              <a:rPr lang="en-US" dirty="0"/>
-              <a:t>I can explain the differences between the integer type variables: byte, short, int, long</a:t>
-            </a:r>
-          </a:p>
-          <a:p>
-            <a:r>
-              <a:rPr lang="en-US" dirty="0"/>
-              <a:t>I can explain the differences between the decimal type variables: float, double</a:t>
-            </a:r>
-          </a:p>
-          <a:p>
-            <a:r>
-              <a:rPr lang="en-US" dirty="0"/>
-              <a:t>I can explain what a char is and understand it is actually stored in memory as an integer</a:t>
-            </a:r>
-          </a:p>
-          <a:p>
-            <a:r>
-              <a:rPr lang="en-US" dirty="0"/>
-              <a:t>I can explain what a </a:t>
-            </a:r>
-            <a:r>
-              <a:rPr lang="en-US" dirty="0" err="1"/>
-              <a:t>boolean</a:t>
-            </a:r>
-            <a:r>
-              <a:rPr lang="en-US" dirty="0"/>
-              <a:t> value is</a:t>
-            </a:r>
-          </a:p>
-          <a:p>
-            <a:endParaRPr lang="en-US" dirty="0"/>
-          </a:p>
-        </p:txBody>
-      </p:sp>
-    </p:spTree>
-    <p:extLst>
-      <p:ext uri="{BB962C8B-B14F-4D97-AF65-F5344CB8AC3E}">
-        <p14:creationId xmlns:p14="http://schemas.microsoft.com/office/powerpoint/2010/main" val="2218835812"/>
-      </p:ext>
-    </p:extLst>
-  </p:cSld>
-  <p:clrMapOvr>
-    <a:masterClrMapping/>
-  </p:clrMapOvr>
-</p:sld>
-</file>
-
-<file path=ppt/slides/slide51.xml><?xml version="1.0" encoding="utf-8"?>
-<p:sld xmlns:a="http://schemas.openxmlformats.org/drawingml/2006/main" xmlns:r="http://schemas.openxmlformats.org/officeDocument/2006/relationships" xmlns:p="http://schemas.openxmlformats.org/presentationml/2006/main">
-  <p:cSld>
-    <p:spTree>
-      <p:nvGrpSpPr>
-        <p:cNvPr id="1" name=""/>
-        <p:cNvGrpSpPr/>
-        <p:nvPr/>
-      </p:nvGrpSpPr>
-      <p:grpSpPr>
-        <a:xfrm>
-          <a:off x="0" y="0"/>
-          <a:ext cx="0" cy="0"/>
-          <a:chOff x="0" y="0"/>
-          <a:chExt cx="0" cy="0"/>
-        </a:xfrm>
-      </p:grpSpPr>
-      <p:sp>
-        <p:nvSpPr>
-          <p:cNvPr id="2" name="Title 1">
-            <a:extLst>
-              <a:ext uri="{FF2B5EF4-FFF2-40B4-BE49-F238E27FC236}">
-                <a16:creationId xmlns:a16="http://schemas.microsoft.com/office/drawing/2014/main" id="{75355994-6C54-41DA-9FEF-22C4894D5C02}"/>
-              </a:ext>
-            </a:extLst>
-          </p:cNvPr>
-          <p:cNvSpPr>
-            <a:spLocks noGrp="1"/>
-          </p:cNvSpPr>
-          <p:nvPr>
-            <p:ph type="title"/>
-          </p:nvPr>
-        </p:nvSpPr>
-        <p:spPr/>
-        <p:txBody>
-          <a:bodyPr/>
-          <a:lstStyle/>
-          <a:p>
-            <a:r>
-              <a:rPr lang="en-US" dirty="0"/>
-              <a:t>Follow Up</a:t>
-            </a:r>
-          </a:p>
-        </p:txBody>
-      </p:sp>
-      <p:sp>
-        <p:nvSpPr>
-          <p:cNvPr id="3" name="Content Placeholder 2">
-            <a:extLst>
-              <a:ext uri="{FF2B5EF4-FFF2-40B4-BE49-F238E27FC236}">
-                <a16:creationId xmlns:a16="http://schemas.microsoft.com/office/drawing/2014/main" id="{E6A666D6-AB47-4AC5-AF89-E91B76A86F1C}"/>
-              </a:ext>
-            </a:extLst>
-          </p:cNvPr>
-          <p:cNvSpPr>
-            <a:spLocks noGrp="1"/>
-          </p:cNvSpPr>
-          <p:nvPr>
-            <p:ph idx="1"/>
-          </p:nvPr>
-        </p:nvSpPr>
-        <p:spPr/>
-        <p:txBody>
-          <a:bodyPr>
             <a:noAutofit/>
           </a:bodyPr>
           <a:lstStyle/>
@@ -19793,47 +19579,29 @@
           <a:p>
             <a:pPr lvl="1"/>
             <a:r>
-              <a:rPr lang="en-US" dirty="0"/>
-              <a:t>How decimal numbers are stored: </a:t>
+              <a:rPr lang="en-US"/>
+              <a:t>See </a:t>
+            </a:r>
+            <a:r>
+              <a:rPr lang="en-US" dirty="0"/>
+              <a:t>01_Scaffolding</a:t>
+            </a:r>
+          </a:p>
+          <a:p>
+            <a:r>
+              <a:rPr lang="en-US" dirty="0"/>
+              <a:t>Leave some Feedback/Questions:</a:t>
+            </a:r>
+          </a:p>
+          <a:p>
+            <a:pPr lvl="1"/>
+            <a:r>
+              <a:rPr lang="en-US" dirty="0"/>
+              <a:t>Link: </a:t>
             </a:r>
             <a:r>
               <a:rPr lang="en-US" dirty="0">
                 <a:hlinkClick r:id="rId3"/>
-              </a:rPr>
-              <a:t>https://en.wikipedia.org/wiki/Double-precision_floating-point_format</a:t>
-            </a:r>
-            <a:endParaRPr lang="en-US" dirty="0"/>
-          </a:p>
-          <a:p>
-            <a:pPr lvl="1"/>
-            <a:r>
-              <a:rPr lang="en-US" dirty="0"/>
-              <a:t>How numbers are stored: </a:t>
-            </a:r>
-            <a:r>
-              <a:rPr lang="en-US" dirty="0" err="1"/>
-              <a:t>Youtube</a:t>
-            </a:r>
-            <a:r>
-              <a:rPr lang="en-US" dirty="0"/>
-              <a:t> Video about Binary and Memory</a:t>
-            </a:r>
-          </a:p>
-          <a:p>
-            <a:r>
-              <a:rPr lang="en-US" dirty="0"/>
-              <a:t>Leave some Feedback/Questions:</a:t>
-            </a:r>
-          </a:p>
-          <a:p>
-            <a:pPr lvl="1"/>
-            <a:r>
-              <a:rPr lang="en-US" dirty="0"/>
-              <a:t>Link: </a:t>
-            </a:r>
-            <a:r>
-              <a:rPr lang="en-US" dirty="0">
-                <a:hlinkClick r:id="rId4"/>
               </a:rPr>
               <a:t>https://forms.gle/wRuj8Bzh3cTPFR4T6</a:t>
             </a:r>
@@ -19876,7 +19644,7 @@
 </p:sld>
 </file>
 
-<file path=ppt/slides/slide52.xml><?xml version="1.0" encoding="utf-8"?>
+<file path=ppt/slides/slide51.xml><?xml version="1.0" encoding="utf-8"?>
 <p:sld xmlns:a="http://schemas.openxmlformats.org/drawingml/2006/main" xmlns:r="http://schemas.openxmlformats.org/officeDocument/2006/relationships" xmlns:p="http://schemas.openxmlformats.org/presentationml/2006/main">
   <p:cSld>
     <p:bg>
